--- a/Final Presentation.pptx
+++ b/Final Presentation.pptx
@@ -230,7 +230,7 @@
           <a:p>
             <a:fld id="{916B9803-ADF1-0743-B2EB-E88499D17A17}" type="datetimeFigureOut">
               <a:rPr lang="en-US" smtClean="0"/>
-              <a:t>20-Jun-20</a:t>
+              <a:t>21-Jun-20</a:t>
             </a:fld>
             <a:endParaRPr lang="en-US"/>
           </a:p>
@@ -563,6 +563,90 @@
           <a:p>
             <a:fld id="{63A02586-B63B-564F-82A8-E6C38EAA71B7}" type="slidenum">
               <a:rPr lang="en-US" smtClean="0"/>
+              <a:t>4</a:t>
+            </a:fld>
+            <a:endParaRPr lang="en-US"/>
+          </a:p>
+        </p:txBody>
+      </p:sp>
+    </p:spTree>
+    <p:extLst>
+      <p:ext uri="{BB962C8B-B14F-4D97-AF65-F5344CB8AC3E}">
+        <p14:creationId xmlns:p14="http://schemas.microsoft.com/office/powerpoint/2010/main" val="3531638253"/>
+      </p:ext>
+    </p:extLst>
+  </p:cSld>
+  <p:clrMapOvr>
+    <a:masterClrMapping/>
+  </p:clrMapOvr>
+</p:notes>
+</file>
+
+<file path=ppt/notesSlides/notesSlide2.xml><?xml version="1.0" encoding="utf-8"?>
+<p:notes xmlns:a="http://schemas.openxmlformats.org/drawingml/2006/main" xmlns:r="http://schemas.openxmlformats.org/officeDocument/2006/relationships" xmlns:p="http://schemas.openxmlformats.org/presentationml/2006/main">
+  <p:cSld>
+    <p:spTree>
+      <p:nvGrpSpPr>
+        <p:cNvPr id="1" name=""/>
+        <p:cNvGrpSpPr/>
+        <p:nvPr/>
+      </p:nvGrpSpPr>
+      <p:grpSpPr>
+        <a:xfrm>
+          <a:off x="0" y="0"/>
+          <a:ext cx="0" cy="0"/>
+          <a:chOff x="0" y="0"/>
+          <a:chExt cx="0" cy="0"/>
+        </a:xfrm>
+      </p:grpSpPr>
+      <p:sp>
+        <p:nvSpPr>
+          <p:cNvPr id="2" name="Slide Image Placeholder 1"/>
+          <p:cNvSpPr>
+            <a:spLocks noGrp="1" noRot="1" noChangeAspect="1"/>
+          </p:cNvSpPr>
+          <p:nvPr>
+            <p:ph type="sldImg"/>
+          </p:nvPr>
+        </p:nvSpPr>
+        <p:spPr/>
+      </p:sp>
+      <p:sp>
+        <p:nvSpPr>
+          <p:cNvPr id="3" name="Notes Placeholder 2"/>
+          <p:cNvSpPr>
+            <a:spLocks noGrp="1"/>
+          </p:cNvSpPr>
+          <p:nvPr>
+            <p:ph type="body" idx="1"/>
+          </p:nvPr>
+        </p:nvSpPr>
+        <p:spPr/>
+        <p:txBody>
+          <a:bodyPr/>
+          <a:lstStyle/>
+          <a:p>
+            <a:endParaRPr lang="en-US" dirty="0"/>
+          </a:p>
+        </p:txBody>
+      </p:sp>
+      <p:sp>
+        <p:nvSpPr>
+          <p:cNvPr id="4" name="Slide Number Placeholder 3"/>
+          <p:cNvSpPr>
+            <a:spLocks noGrp="1"/>
+          </p:cNvSpPr>
+          <p:nvPr>
+            <p:ph type="sldNum" sz="quarter" idx="5"/>
+          </p:nvPr>
+        </p:nvSpPr>
+        <p:spPr/>
+        <p:txBody>
+          <a:bodyPr/>
+          <a:lstStyle/>
+          <a:p>
+            <a:fld id="{63A02586-B63B-564F-82A8-E6C38EAA71B7}" type="slidenum">
+              <a:rPr lang="en-US" smtClean="0"/>
               <a:t>8</a:t>
             </a:fld>
             <a:endParaRPr lang="en-US"/>
@@ -582,7 +666,7 @@
 </p:notes>
 </file>
 
-<file path=ppt/notesSlides/notesSlide2.xml><?xml version="1.0" encoding="utf-8"?>
+<file path=ppt/notesSlides/notesSlide3.xml><?xml version="1.0" encoding="utf-8"?>
 <p:notes xmlns:a="http://schemas.openxmlformats.org/drawingml/2006/main" xmlns:r="http://schemas.openxmlformats.org/officeDocument/2006/relationships" xmlns:p="http://schemas.openxmlformats.org/presentationml/2006/main">
   <p:cSld>
     <p:spTree>
@@ -857,7 +941,7 @@
           <a:p>
             <a:fld id="{5F16BCAE-741F-8345-97C0-B20523E7586F}" type="datetime1">
               <a:rPr lang="fr-FR" smtClean="0"/>
-              <a:t>20/06/2020</a:t>
+              <a:t>21/06/2020</a:t>
             </a:fld>
             <a:endParaRPr lang="en-US" dirty="0"/>
           </a:p>
@@ -1289,7 +1373,7 @@
           <a:p>
             <a:fld id="{4F53D3A3-BD78-494D-8F5D-89D1C972F81E}" type="datetime1">
               <a:rPr lang="fr-FR" smtClean="0"/>
-              <a:t>20/06/2020</a:t>
+              <a:t>21/06/2020</a:t>
             </a:fld>
             <a:endParaRPr lang="en-US" dirty="0"/>
           </a:p>
@@ -1535,7 +1619,7 @@
           <a:p>
             <a:fld id="{CFC00795-8852-9548-B3E9-8300E52A6704}" type="datetime1">
               <a:rPr lang="fr-FR" smtClean="0"/>
-              <a:t>20/06/2020</a:t>
+              <a:t>21/06/2020</a:t>
             </a:fld>
             <a:endParaRPr lang="en-US" dirty="0"/>
           </a:p>
@@ -1839,7 +1923,7 @@
           <a:p>
             <a:fld id="{F5C6ACAD-4913-0544-AD69-8650C1E2DD62}" type="datetime1">
               <a:rPr lang="fr-FR" smtClean="0"/>
-              <a:t>20/06/2020</a:t>
+              <a:t>21/06/2020</a:t>
             </a:fld>
             <a:endParaRPr lang="en-US" dirty="0"/>
           </a:p>
@@ -2153,7 +2237,7 @@
           <a:p>
             <a:fld id="{2E7F9955-4FB8-2D46-977B-EF02FE4DEE79}" type="datetime1">
               <a:rPr lang="fr-FR" smtClean="0"/>
-              <a:t>20/06/2020</a:t>
+              <a:t>21/06/2020</a:t>
             </a:fld>
             <a:endParaRPr lang="en-US" dirty="0"/>
           </a:p>
@@ -2451,7 +2535,7 @@
           <a:p>
             <a:fld id="{50B07D8C-645B-7240-8994-EEB60C326399}" type="datetime1">
               <a:rPr lang="fr-FR" smtClean="0"/>
-              <a:t>20/06/2020</a:t>
+              <a:t>21/06/2020</a:t>
             </a:fld>
             <a:endParaRPr lang="en-US" dirty="0"/>
           </a:p>
@@ -2814,7 +2898,7 @@
           <a:p>
             <a:fld id="{EFAE166C-74BF-3A45-A928-ABCBB17E5C4B}" type="datetime1">
               <a:rPr lang="fr-FR" smtClean="0"/>
-              <a:t>20/06/2020</a:t>
+              <a:t>21/06/2020</a:t>
             </a:fld>
             <a:endParaRPr lang="en-US" dirty="0"/>
           </a:p>
@@ -2984,7 +3068,7 @@
           <a:p>
             <a:fld id="{A5B8C098-FABE-DA42-AE91-62F1B8E8363B}" type="datetime1">
               <a:rPr lang="fr-FR" smtClean="0"/>
-              <a:t>20/06/2020</a:t>
+              <a:t>21/06/2020</a:t>
             </a:fld>
             <a:endParaRPr lang="en-US" dirty="0"/>
           </a:p>
@@ -3160,7 +3244,7 @@
           <a:p>
             <a:fld id="{A60E64AB-915D-5442-919E-93C45BFB2CB2}" type="datetime1">
               <a:rPr lang="fr-FR" smtClean="0"/>
-              <a:t>20/06/2020</a:t>
+              <a:t>21/06/2020</a:t>
             </a:fld>
             <a:endParaRPr lang="en-US" dirty="0"/>
           </a:p>
@@ -3326,7 +3410,7 @@
           <a:p>
             <a:fld id="{6F960EB3-6BDF-DD4B-B016-0377209137B7}" type="datetime1">
               <a:rPr lang="fr-FR" smtClean="0"/>
-              <a:t>20/06/2020</a:t>
+              <a:t>21/06/2020</a:t>
             </a:fld>
             <a:endParaRPr lang="en-US" dirty="0"/>
           </a:p>
@@ -3572,7 +3656,7 @@
           <a:p>
             <a:fld id="{FF879213-6E2E-BE49-BA08-094B857A15A3}" type="datetime1">
               <a:rPr lang="fr-FR" smtClean="0"/>
-              <a:t>20/06/2020</a:t>
+              <a:t>21/06/2020</a:t>
             </a:fld>
             <a:endParaRPr lang="en-US" dirty="0"/>
           </a:p>
@@ -3804,7 +3888,7 @@
           <a:p>
             <a:fld id="{BD43F587-D2D3-8A4A-9FA6-6E7A50CBF07A}" type="datetime1">
               <a:rPr lang="fr-FR" smtClean="0"/>
-              <a:t>20/06/2020</a:t>
+              <a:t>21/06/2020</a:t>
             </a:fld>
             <a:endParaRPr lang="en-US" dirty="0"/>
           </a:p>
@@ -4182,7 +4266,7 @@
           <a:p>
             <a:fld id="{FCA49B22-DF18-CD4F-997D-630E9333FDA8}" type="datetime1">
               <a:rPr lang="fr-FR" smtClean="0"/>
-              <a:t>20/06/2020</a:t>
+              <a:t>21/06/2020</a:t>
             </a:fld>
             <a:endParaRPr lang="en-US" dirty="0"/>
           </a:p>
@@ -4296,7 +4380,7 @@
           <a:p>
             <a:fld id="{2DDD1125-2EA0-1147-90F0-CCBA3198D373}" type="datetime1">
               <a:rPr lang="fr-FR" smtClean="0"/>
-              <a:t>20/06/2020</a:t>
+              <a:t>21/06/2020</a:t>
             </a:fld>
             <a:endParaRPr lang="en-US" dirty="0"/>
           </a:p>
@@ -4387,7 +4471,7 @@
           <a:p>
             <a:fld id="{ABC3C5F1-C86F-F548-A50C-2CDE9E917DCC}" type="datetime1">
               <a:rPr lang="fr-FR" smtClean="0"/>
-              <a:t>20/06/2020</a:t>
+              <a:t>21/06/2020</a:t>
             </a:fld>
             <a:endParaRPr lang="en-US" dirty="0"/>
           </a:p>
@@ -4638,7 +4722,7 @@
           <a:p>
             <a:fld id="{9165AA7A-38C2-2F43-87BB-D93CA6FE812B}" type="datetime1">
               <a:rPr lang="fr-FR" smtClean="0"/>
-              <a:t>20/06/2020</a:t>
+              <a:t>21/06/2020</a:t>
             </a:fld>
             <a:endParaRPr lang="en-US" dirty="0"/>
           </a:p>
@@ -4917,7 +5001,7 @@
           <a:p>
             <a:fld id="{18A39388-6EF1-9449-B2E2-26BF0D18DA46}" type="datetime1">
               <a:rPr lang="fr-FR" smtClean="0"/>
-              <a:t>20/06/2020</a:t>
+              <a:t>21/06/2020</a:t>
             </a:fld>
             <a:endParaRPr lang="en-US" dirty="0"/>
           </a:p>
@@ -5319,7 +5403,7 @@
           <a:p>
             <a:fld id="{7B962FD1-1F27-9B4F-B56A-ED6AF0569F7B}" type="datetime1">
               <a:rPr lang="fr-FR" smtClean="0"/>
-              <a:t>20/06/2020</a:t>
+              <a:t>21/06/2020</a:t>
             </a:fld>
             <a:endParaRPr lang="en-US" dirty="0"/>
           </a:p>
@@ -8994,7 +9078,7 @@
         <p:spPr>
           <a:xfrm>
             <a:off x="421281" y="1836580"/>
-            <a:ext cx="11349437" cy="3724096"/>
+            <a:ext cx="11349437" cy="5016758"/>
           </a:xfrm>
           <a:prstGeom prst="rect">
             <a:avLst/>
@@ -9032,7 +9116,27 @@
             </a:pPr>
             <a:r>
               <a:rPr lang="en-US" sz="2800" dirty="0"/>
-              <a:t>The extension token must be an ERC20 token (otherwise the context is changed a calling functions don’t allows modifying memory of other contracts)</a:t>
+              <a:t>The extension token must contain the same state variables as the extended contract (including his parents)</a:t>
+            </a:r>
+          </a:p>
+          <a:p>
+            <a:pPr marL="742950" lvl="1" indent="-285750">
+              <a:buFont typeface="Wingdings" charset="2"/>
+              <a:buChar char="Ø"/>
+            </a:pPr>
+            <a:r>
+              <a:rPr lang="en-US" sz="2800" dirty="0"/>
+              <a:t>When invoking an extension the errors thrown don’t bubble up</a:t>
+            </a:r>
+          </a:p>
+          <a:p>
+            <a:pPr marL="742950" lvl="1" indent="-285750">
+              <a:buFont typeface="Wingdings" charset="2"/>
+              <a:buChar char="Ø"/>
+            </a:pPr>
+            <a:r>
+              <a:rPr lang="en-US" sz="2800" dirty="0"/>
+              <a:t>A rental token can be instantiate without an ownership connected</a:t>
             </a:r>
           </a:p>
           <a:p>
@@ -10927,7 +11031,7 @@
         <p:spPr>
           <a:xfrm>
             <a:off x="297951" y="2040210"/>
-            <a:ext cx="11349437" cy="4093428"/>
+            <a:ext cx="11349437" cy="4524315"/>
           </a:xfrm>
           <a:prstGeom prst="rect">
             <a:avLst/>
@@ -10972,6 +11076,16 @@
             <a:r>
               <a:rPr lang="en-US" sz="2800" dirty="0"/>
               <a:t>Got familiar with solidity object-oriented language</a:t>
+            </a:r>
+          </a:p>
+          <a:p>
+            <a:pPr marL="285750" indent="-285750">
+              <a:buFont typeface="Wingdings" charset="2"/>
+              <a:buChar char="Ø"/>
+            </a:pPr>
+            <a:r>
+              <a:rPr lang="en-US" sz="2800" dirty="0"/>
+              <a:t>Got familiar with ganache test environment</a:t>
             </a:r>
           </a:p>
           <a:p>
@@ -11454,7 +11568,7 @@
         <p:spPr>
           <a:xfrm>
             <a:off x="421281" y="1836580"/>
-            <a:ext cx="11349437" cy="4585871"/>
+            <a:ext cx="11349437" cy="3724096"/>
           </a:xfrm>
           <a:prstGeom prst="rect">
             <a:avLst/>
@@ -11472,7 +11586,7 @@
             </a:pPr>
             <a:r>
               <a:rPr lang="en-US" sz="2800" dirty="0"/>
-              <a:t>The goal of this project is to implement ownership and rental assets</a:t>
+              <a:t>The goal of this project is to explore ways to implement dynamic inter-dependency between tokens</a:t>
             </a:r>
           </a:p>
           <a:p>
@@ -11482,7 +11596,7 @@
             </a:pPr>
             <a:r>
               <a:rPr lang="en-US" sz="2800" dirty="0"/>
-              <a:t>There are several steps in the implementation going from simple to complex implementation</a:t>
+              <a:t>We apply that to ownership and rental assets</a:t>
             </a:r>
           </a:p>
           <a:p>
@@ -11492,7 +11606,7 @@
             </a:pPr>
             <a:r>
               <a:rPr lang="en-US" sz="2800" dirty="0"/>
-              <a:t>The difference between each step is in the connectivity between the tokens:</a:t>
+              <a:t>We implemented the following steps:</a:t>
             </a:r>
           </a:p>
           <a:p>

--- a/Final Presentation.pptx
+++ b/Final Presentation.pptx
@@ -5,12 +5,12 @@
     <p:sldMasterId id="2147483648" r:id="rId1"/>
   </p:sldMasterIdLst>
   <p:notesMasterIdLst>
-    <p:notesMasterId r:id="rId15"/>
+    <p:notesMasterId r:id="rId17"/>
   </p:notesMasterIdLst>
   <p:sldIdLst>
     <p:sldId id="256" r:id="rId2"/>
-    <p:sldId id="257" r:id="rId3"/>
-    <p:sldId id="264" r:id="rId4"/>
+    <p:sldId id="264" r:id="rId3"/>
+    <p:sldId id="278" r:id="rId4"/>
     <p:sldId id="265" r:id="rId5"/>
     <p:sldId id="266" r:id="rId6"/>
     <p:sldId id="270" r:id="rId7"/>
@@ -19,8 +19,10 @@
     <p:sldId id="273" r:id="rId10"/>
     <p:sldId id="274" r:id="rId11"/>
     <p:sldId id="275" r:id="rId12"/>
-    <p:sldId id="267" r:id="rId13"/>
-    <p:sldId id="263" r:id="rId14"/>
+    <p:sldId id="276" r:id="rId13"/>
+    <p:sldId id="277" r:id="rId14"/>
+    <p:sldId id="267" r:id="rId15"/>
+    <p:sldId id="263" r:id="rId16"/>
   </p:sldIdLst>
   <p:sldSz cx="12192000" cy="6858000"/>
   <p:notesSz cx="6858000" cy="9144000"/>
@@ -125,8 +127,8 @@
         <p14:section name="Section par défaut" id="{04A5A505-8522-4248-912E-37457B454409}">
           <p14:sldIdLst>
             <p14:sldId id="256"/>
-            <p14:sldId id="257"/>
             <p14:sldId id="264"/>
+            <p14:sldId id="278"/>
             <p14:sldId id="265"/>
             <p14:sldId id="266"/>
             <p14:sldId id="270"/>
@@ -135,6 +137,8 @@
             <p14:sldId id="273"/>
             <p14:sldId id="274"/>
             <p14:sldId id="275"/>
+            <p14:sldId id="276"/>
+            <p14:sldId id="277"/>
             <p14:sldId id="267"/>
             <p14:sldId id="263"/>
           </p14:sldIdLst>
@@ -7441,8 +7445,8 @@
         </p:nvSpPr>
         <p:spPr>
           <a:xfrm>
-            <a:off x="320035" y="2222523"/>
-            <a:ext cx="3153811" cy="830997"/>
+            <a:off x="231038" y="2132164"/>
+            <a:ext cx="3481400" cy="1077218"/>
           </a:xfrm>
           <a:prstGeom prst="rect">
             <a:avLst/>
@@ -7560,7 +7564,22 @@
             </a:r>
             <a:r>
               <a:rPr lang="en-US" sz="1600" dirty="0"/>
-              <a:t> token</a:t>
+              <a:t> and </a:t>
+            </a:r>
+            <a:r>
+              <a:rPr lang="en-US" sz="1600" dirty="0" err="1"/>
+              <a:t>DynamicRental</a:t>
+            </a:r>
+            <a:r>
+              <a:rPr lang="en-US" sz="1600" dirty="0"/>
+              <a:t> tokens</a:t>
+            </a:r>
+          </a:p>
+          <a:p>
+            <a:pPr algn="ctr"/>
+            <a:r>
+              <a:rPr lang="en-US" sz="1600" dirty="0"/>
+              <a:t>=&gt; Independent one of the other</a:t>
             </a:r>
           </a:p>
         </p:txBody>
@@ -8131,7 +8150,7 @@
             <a:pPr algn="ctr"/>
             <a:r>
               <a:rPr lang="en-US" sz="1600" dirty="0"/>
-              <a:t>Create a </a:t>
+              <a:t>Instantiate a </a:t>
             </a:r>
             <a:r>
               <a:rPr lang="en-US" sz="1600" dirty="0" err="1"/>
@@ -8819,7 +8838,13 @@
       </p:grpSpPr>
       <p:sp>
         <p:nvSpPr>
-          <p:cNvPr id="2" name="Titre 1"/>
+          <p:cNvPr id="43" name="Titre 1">
+            <a:extLst>
+              <a:ext uri="{FF2B5EF4-FFF2-40B4-BE49-F238E27FC236}">
+                <a16:creationId xmlns:a16="http://schemas.microsoft.com/office/drawing/2014/main" id="{50E89811-6980-4029-B3A7-096C37CE55C2}"/>
+              </a:ext>
+            </a:extLst>
+          </p:cNvPr>
           <p:cNvSpPr>
             <a:spLocks noGrp="1"/>
           </p:cNvSpPr>
@@ -8829,8 +8854,8 @@
         </p:nvSpPr>
         <p:spPr>
           <a:xfrm>
-            <a:off x="555783" y="-55804"/>
-            <a:ext cx="10627636" cy="1237729"/>
+            <a:off x="684211" y="478140"/>
+            <a:ext cx="10627636" cy="1507067"/>
           </a:xfrm>
         </p:spPr>
         <p:txBody>
@@ -8839,236 +8864,17 @@
           <a:p>
             <a:r>
               <a:rPr lang="fr-FR" dirty="0"/>
-              <a:t>Conclusion</a:t>
-            </a:r>
-          </a:p>
-        </p:txBody>
-      </p:sp>
-      <p:sp>
-        <p:nvSpPr>
-          <p:cNvPr id="3" name="Espace réservé du contenu 2"/>
-          <p:cNvSpPr>
-            <a:spLocks noGrp="1"/>
-          </p:cNvSpPr>
-          <p:nvPr>
-            <p:ph idx="1"/>
-          </p:nvPr>
-        </p:nvSpPr>
-        <p:spPr>
-          <a:xfrm>
-            <a:off x="684211" y="1181926"/>
-            <a:ext cx="10370781" cy="2989381"/>
-          </a:xfrm>
-        </p:spPr>
-        <p:txBody>
-          <a:bodyPr>
-            <a:normAutofit/>
-          </a:bodyPr>
-          <a:lstStyle/>
-          <a:p>
-            <a:pPr marL="0" indent="0">
-              <a:buNone/>
-            </a:pPr>
-            <a:endParaRPr lang="fr-FR" sz="2400" dirty="0">
-              <a:solidFill>
-                <a:schemeClr val="bg1"/>
-              </a:solidFill>
-            </a:endParaRPr>
-          </a:p>
-          <a:p>
-            <a:endParaRPr lang="fr-FR" sz="2400" dirty="0">
-              <a:solidFill>
-                <a:schemeClr val="bg1"/>
-              </a:solidFill>
-            </a:endParaRPr>
-          </a:p>
-        </p:txBody>
-      </p:sp>
-      <p:sp>
-        <p:nvSpPr>
-          <p:cNvPr id="5" name="Titre 1"/>
-          <p:cNvSpPr txBox="1">
-            <a:spLocks/>
-          </p:cNvSpPr>
-          <p:nvPr/>
-        </p:nvSpPr>
-        <p:spPr>
-          <a:xfrm>
-            <a:off x="684212" y="3098687"/>
-            <a:ext cx="8534400" cy="1507067"/>
-          </a:xfrm>
-          <a:prstGeom prst="rect">
-            <a:avLst/>
-          </a:prstGeom>
-          <a:effectLst/>
-        </p:spPr>
-        <p:txBody>
-          <a:bodyPr vert="horz" lIns="91440" tIns="45720" rIns="91440" bIns="45720" rtlCol="0" anchor="ctr">
-            <a:normAutofit/>
-          </a:bodyPr>
-          <a:lstStyle>
-            <a:lvl1pPr algn="l" defTabSz="457200" rtl="0" eaLnBrk="1" latinLnBrk="0" hangingPunct="1">
-              <a:spcBef>
-                <a:spcPct val="0"/>
-              </a:spcBef>
-              <a:buNone/>
-              <a:defRPr sz="3600" kern="1200" cap="all">
-                <a:ln w="3175" cmpd="sng">
-                  <a:noFill/>
-                </a:ln>
-                <a:solidFill>
-                  <a:schemeClr val="tx1"/>
-                </a:solidFill>
-                <a:effectLst/>
-                <a:latin typeface="+mj-lt"/>
-                <a:ea typeface="+mj-ea"/>
-                <a:cs typeface="+mj-cs"/>
-              </a:defRPr>
-            </a:lvl1pPr>
-            <a:lvl2pPr eaLnBrk="1" hangingPunct="1">
-              <a:defRPr>
-                <a:solidFill>
-                  <a:schemeClr val="tx2"/>
-                </a:solidFill>
-              </a:defRPr>
-            </a:lvl2pPr>
-            <a:lvl3pPr eaLnBrk="1" hangingPunct="1">
-              <a:defRPr>
-                <a:solidFill>
-                  <a:schemeClr val="tx2"/>
-                </a:solidFill>
-              </a:defRPr>
-            </a:lvl3pPr>
-            <a:lvl4pPr eaLnBrk="1" hangingPunct="1">
-              <a:defRPr>
-                <a:solidFill>
-                  <a:schemeClr val="tx2"/>
-                </a:solidFill>
-              </a:defRPr>
-            </a:lvl4pPr>
-            <a:lvl5pPr eaLnBrk="1" hangingPunct="1">
-              <a:defRPr>
-                <a:solidFill>
-                  <a:schemeClr val="tx2"/>
-                </a:solidFill>
-              </a:defRPr>
-            </a:lvl5pPr>
-            <a:lvl6pPr eaLnBrk="1" hangingPunct="1">
-              <a:defRPr>
-                <a:solidFill>
-                  <a:schemeClr val="tx2"/>
-                </a:solidFill>
-              </a:defRPr>
-            </a:lvl6pPr>
-            <a:lvl7pPr eaLnBrk="1" hangingPunct="1">
-              <a:defRPr>
-                <a:solidFill>
-                  <a:schemeClr val="tx2"/>
-                </a:solidFill>
-              </a:defRPr>
-            </a:lvl7pPr>
-            <a:lvl8pPr eaLnBrk="1" hangingPunct="1">
-              <a:defRPr>
-                <a:solidFill>
-                  <a:schemeClr val="tx2"/>
-                </a:solidFill>
-              </a:defRPr>
-            </a:lvl8pPr>
-            <a:lvl9pPr eaLnBrk="1" hangingPunct="1">
-              <a:defRPr>
-                <a:solidFill>
-                  <a:schemeClr val="tx2"/>
-                </a:solidFill>
-              </a:defRPr>
-            </a:lvl9pPr>
-          </a:lstStyle>
-          <a:p>
-            <a:endParaRPr lang="fr-FR" dirty="0"/>
-          </a:p>
-        </p:txBody>
-      </p:sp>
-      <p:sp>
-        <p:nvSpPr>
-          <p:cNvPr id="8" name="ZoneTexte 7"/>
-          <p:cNvSpPr txBox="1"/>
-          <p:nvPr/>
-        </p:nvSpPr>
-        <p:spPr>
-          <a:xfrm>
-            <a:off x="7298267" y="5655733"/>
-            <a:ext cx="184731" cy="369332"/>
-          </a:xfrm>
-          <a:prstGeom prst="rect">
-            <a:avLst/>
-          </a:prstGeom>
-          <a:noFill/>
-        </p:spPr>
-        <p:txBody>
-          <a:bodyPr wrap="none" rtlCol="0">
-            <a:spAutoFit/>
-          </a:bodyPr>
-          <a:lstStyle/>
-          <a:p>
-            <a:endParaRPr lang="fr-FR" dirty="0"/>
-          </a:p>
-        </p:txBody>
-      </p:sp>
-      <p:sp>
-        <p:nvSpPr>
-          <p:cNvPr id="9" name="ZoneTexte 8"/>
-          <p:cNvSpPr txBox="1"/>
-          <p:nvPr/>
-        </p:nvSpPr>
-        <p:spPr>
-          <a:xfrm>
-            <a:off x="11462657" y="5780314"/>
-            <a:ext cx="184731" cy="369332"/>
-          </a:xfrm>
-          <a:prstGeom prst="rect">
-            <a:avLst/>
-          </a:prstGeom>
-          <a:noFill/>
-        </p:spPr>
-        <p:txBody>
-          <a:bodyPr wrap="none" rtlCol="0">
-            <a:spAutoFit/>
-          </a:bodyPr>
-          <a:lstStyle/>
-          <a:p>
-            <a:endParaRPr lang="en-US" dirty="0"/>
-          </a:p>
-        </p:txBody>
-      </p:sp>
-      <p:sp>
-        <p:nvSpPr>
-          <p:cNvPr id="10" name="Espace réservé du numéro de diapositive 9"/>
-          <p:cNvSpPr>
-            <a:spLocks noGrp="1"/>
-          </p:cNvSpPr>
-          <p:nvPr>
-            <p:ph type="sldNum" sz="quarter" idx="12"/>
-          </p:nvPr>
-        </p:nvSpPr>
-        <p:spPr/>
-        <p:txBody>
-          <a:bodyPr/>
-          <a:lstStyle/>
-          <a:p>
-            <a:fld id="{D57F1E4F-1CFF-5643-939E-217C01CDF565}" type="slidenum">
-              <a:rPr lang="en-US" smtClean="0"/>
-              <a:pPr/>
-              <a:t>12</a:t>
-            </a:fld>
-            <a:endParaRPr lang="en-US" dirty="0"/>
-          </a:p>
-        </p:txBody>
-      </p:sp>
-      <p:sp>
-        <p:nvSpPr>
-          <p:cNvPr id="14" name="Rectangle 13">
+              <a:t>Concret Example with a car</a:t>
+            </a:r>
+          </a:p>
+        </p:txBody>
+      </p:sp>
+      <p:sp>
+        <p:nvSpPr>
+          <p:cNvPr id="17" name="Rectangle 16">
             <a:extLst>
               <a:ext uri="{FF2B5EF4-FFF2-40B4-BE49-F238E27FC236}">
-                <a16:creationId xmlns:a16="http://schemas.microsoft.com/office/drawing/2014/main" id="{4C47DCFF-382D-4433-8C00-0A25663A079F}"/>
+                <a16:creationId xmlns:a16="http://schemas.microsoft.com/office/drawing/2014/main" id="{1109F356-1698-42D7-9609-A488F166AA27}"/>
               </a:ext>
             </a:extLst>
           </p:cNvPr>
@@ -9078,7 +8884,7 @@
         <p:spPr>
           <a:xfrm>
             <a:off x="421281" y="1836580"/>
-            <a:ext cx="11349437" cy="5016758"/>
+            <a:ext cx="11349437" cy="4708981"/>
           </a:xfrm>
           <a:prstGeom prst="rect">
             <a:avLst/>
@@ -9090,78 +8896,119 @@
           </a:bodyPr>
           <a:lstStyle/>
           <a:p>
+            <a:r>
+              <a:rPr lang="en-US" sz="2000" dirty="0"/>
+              <a:t>Let’s show an example of a scenario from the reality:</a:t>
+            </a:r>
+          </a:p>
+          <a:p>
+            <a:pPr marL="1257300" lvl="2" indent="-342900">
+              <a:buFont typeface="Arial" panose="020B0604020202020204" pitchFamily="34" charset="0"/>
+              <a:buChar char="•"/>
+            </a:pPr>
+            <a:r>
+              <a:rPr lang="en-US" sz="2000" dirty="0"/>
+              <a:t>David is the owner of a car and creates a </a:t>
+            </a:r>
+            <a:r>
+              <a:rPr lang="en-US" sz="2000" dirty="0" err="1"/>
+              <a:t>DynamicOwnership</a:t>
+            </a:r>
+            <a:r>
+              <a:rPr lang="en-US" sz="2000" dirty="0"/>
+              <a:t> token for his car</a:t>
+            </a:r>
+          </a:p>
+          <a:p>
+            <a:pPr marL="1257300" lvl="2" indent="-342900">
+              <a:buFont typeface="Arial" panose="020B0604020202020204" pitchFamily="34" charset="0"/>
+              <a:buChar char="•"/>
+            </a:pPr>
+            <a:r>
+              <a:rPr lang="en-US" sz="2000" dirty="0"/>
+              <a:t>Only him can sell (transfer) the car as he wants</a:t>
+            </a:r>
+          </a:p>
+          <a:p>
+            <a:pPr marL="1257300" lvl="2" indent="-342900">
+              <a:buFont typeface="Arial" panose="020B0604020202020204" pitchFamily="34" charset="0"/>
+              <a:buChar char="•"/>
+            </a:pPr>
+            <a:r>
+              <a:rPr lang="en-US" sz="2000" dirty="0"/>
+              <a:t>He decides to add rent on the car by adding the extension provided in this project</a:t>
+            </a:r>
+          </a:p>
+          <a:p>
+            <a:pPr marL="1257300" lvl="2" indent="-342900">
+              <a:buFont typeface="Arial" panose="020B0604020202020204" pitchFamily="34" charset="0"/>
+              <a:buChar char="•"/>
+            </a:pPr>
+            <a:r>
+              <a:rPr lang="en-US" sz="2000" dirty="0"/>
+              <a:t>David makes a rent to Dany and Artem for a week </a:t>
+            </a:r>
+          </a:p>
+          <a:p>
+            <a:pPr marL="1257300" lvl="2" indent="-342900">
+              <a:buFont typeface="Arial" panose="020B0604020202020204" pitchFamily="34" charset="0"/>
+              <a:buChar char="•"/>
+            </a:pPr>
+            <a:r>
+              <a:rPr lang="en-US" sz="2000" dirty="0"/>
+              <a:t>After that, let’s say David want to add an option to this car for painting the car in a new color: David writes the code and the new conditions that it needs</a:t>
+            </a:r>
+          </a:p>
+          <a:p>
+            <a:pPr marL="1257300" lvl="2" indent="-342900">
+              <a:buFont typeface="Arial" panose="020B0604020202020204" pitchFamily="34" charset="0"/>
+              <a:buChar char="•"/>
+            </a:pPr>
+            <a:r>
+              <a:rPr lang="en-US" sz="2000" dirty="0"/>
+              <a:t>He then deploys the code and add this extension to the token of his car</a:t>
+            </a:r>
+          </a:p>
+          <a:p>
+            <a:pPr marL="1257300" lvl="2" indent="-342900">
+              <a:buFont typeface="Arial" panose="020B0604020202020204" pitchFamily="34" charset="0"/>
+              <a:buChar char="•"/>
+            </a:pPr>
+            <a:r>
+              <a:rPr lang="en-US" sz="2000" dirty="0"/>
+              <a:t>Now we can start a process of painting the car</a:t>
+            </a:r>
+          </a:p>
+          <a:p>
+            <a:pPr marL="1257300" lvl="2" indent="-342900">
+              <a:buFont typeface="Arial" panose="020B0604020202020204" pitchFamily="34" charset="0"/>
+              <a:buChar char="•"/>
+            </a:pPr>
+            <a:r>
+              <a:rPr lang="en-US" sz="2000" dirty="0"/>
+              <a:t>And in order to sell the car we must first check that the car is not in a process of painting </a:t>
+            </a:r>
+          </a:p>
+          <a:p>
+            <a:pPr lvl="2"/>
+            <a:endParaRPr lang="en-US" sz="2000" dirty="0"/>
+          </a:p>
+          <a:p>
             <a:pPr marL="285750" indent="-285750">
               <a:buFont typeface="Wingdings" charset="2"/>
               <a:buChar char="Ø"/>
             </a:pPr>
             <a:r>
-              <a:rPr lang="en-US" sz="2800" dirty="0"/>
-              <a:t>The final implementation supports the requirements that were given at the beginning of the project</a:t>
-            </a:r>
-          </a:p>
-          <a:p>
-            <a:pPr marL="285750" indent="-285750">
-              <a:buFont typeface="Wingdings" charset="2"/>
-              <a:buChar char="Ø"/>
-            </a:pPr>
-            <a:r>
-              <a:rPr lang="en-US" sz="2800" dirty="0"/>
-              <a:t>However there are some limitations:</a:t>
-            </a:r>
-          </a:p>
-          <a:p>
-            <a:pPr marL="742950" lvl="1" indent="-285750">
-              <a:buFont typeface="Wingdings" charset="2"/>
-              <a:buChar char="Ø"/>
-            </a:pPr>
-            <a:r>
-              <a:rPr lang="en-US" sz="2800" dirty="0"/>
-              <a:t>The extension token must contain the same state variables as the extended contract (including his parents)</a:t>
-            </a:r>
-          </a:p>
-          <a:p>
-            <a:pPr marL="742950" lvl="1" indent="-285750">
-              <a:buFont typeface="Wingdings" charset="2"/>
-              <a:buChar char="Ø"/>
-            </a:pPr>
-            <a:r>
-              <a:rPr lang="en-US" sz="2800" dirty="0"/>
-              <a:t>When invoking an extension the errors thrown don’t bubble up</a:t>
-            </a:r>
-          </a:p>
-          <a:p>
-            <a:pPr marL="742950" lvl="1" indent="-285750">
-              <a:buFont typeface="Wingdings" charset="2"/>
-              <a:buChar char="Ø"/>
-            </a:pPr>
-            <a:r>
-              <a:rPr lang="en-US" sz="2800" dirty="0"/>
-              <a:t>A rental token can be instantiate without an ownership connected</a:t>
-            </a:r>
-          </a:p>
-          <a:p>
-            <a:pPr marL="742950" lvl="1" indent="-285750">
-              <a:buFont typeface="Wingdings" charset="2"/>
-              <a:buChar char="Ø"/>
-            </a:pPr>
-            <a:endParaRPr lang="en-US" sz="2800" dirty="0"/>
-          </a:p>
-          <a:p>
-            <a:endParaRPr lang="en-US" sz="2000" dirty="0"/>
-          </a:p>
-          <a:p>
-            <a:pPr marL="285750" indent="-285750">
-              <a:buFont typeface="Wingdings" charset="2"/>
-              <a:buChar char="Ø"/>
-            </a:pPr>
-            <a:endParaRPr lang="en-US" sz="2000" dirty="0"/>
+              <a:rPr lang="en-US" sz="2000" dirty="0"/>
+              <a:t>In this project we developed a strong tool to add library styles functions and options on an existing contract</a:t>
+            </a:r>
           </a:p>
         </p:txBody>
       </p:sp>
     </p:spTree>
     <p:extLst>
       <p:ext uri="{BB962C8B-B14F-4D97-AF65-F5344CB8AC3E}">
-        <p14:creationId xmlns:p14="http://schemas.microsoft.com/office/powerpoint/2010/main" val="1487510438"/>
+        <p14:creationId xmlns:p14="http://schemas.microsoft.com/office/powerpoint/2010/main" val="286517846"/>
       </p:ext>
     </p:extLst>
   </p:cSld>
@@ -9190,6 +9037,498 @@
       </p:grpSpPr>
       <p:sp>
         <p:nvSpPr>
+          <p:cNvPr id="43" name="Titre 1">
+            <a:extLst>
+              <a:ext uri="{FF2B5EF4-FFF2-40B4-BE49-F238E27FC236}">
+                <a16:creationId xmlns:a16="http://schemas.microsoft.com/office/drawing/2014/main" id="{50E89811-6980-4029-B3A7-096C37CE55C2}"/>
+              </a:ext>
+            </a:extLst>
+          </p:cNvPr>
+          <p:cNvSpPr>
+            <a:spLocks noGrp="1"/>
+          </p:cNvSpPr>
+          <p:nvPr>
+            <p:ph type="title"/>
+          </p:nvPr>
+        </p:nvSpPr>
+        <p:spPr>
+          <a:xfrm>
+            <a:off x="684211" y="478140"/>
+            <a:ext cx="10627636" cy="1507067"/>
+          </a:xfrm>
+        </p:spPr>
+        <p:txBody>
+          <a:bodyPr/>
+          <a:lstStyle/>
+          <a:p>
+            <a:r>
+              <a:rPr lang="fr-FR" dirty="0"/>
+              <a:t>Shared memory for extensions	</a:t>
+            </a:r>
+          </a:p>
+        </p:txBody>
+      </p:sp>
+      <p:sp>
+        <p:nvSpPr>
+          <p:cNvPr id="4" name="Rectangle 3">
+            <a:extLst>
+              <a:ext uri="{FF2B5EF4-FFF2-40B4-BE49-F238E27FC236}">
+                <a16:creationId xmlns:a16="http://schemas.microsoft.com/office/drawing/2014/main" id="{A4874CA1-5B23-437A-B395-4648454C52ED}"/>
+              </a:ext>
+            </a:extLst>
+          </p:cNvPr>
+          <p:cNvSpPr/>
+          <p:nvPr/>
+        </p:nvSpPr>
+        <p:spPr>
+          <a:xfrm>
+            <a:off x="421281" y="1836580"/>
+            <a:ext cx="11349437" cy="3539430"/>
+          </a:xfrm>
+          <a:prstGeom prst="rect">
+            <a:avLst/>
+          </a:prstGeom>
+        </p:spPr>
+        <p:txBody>
+          <a:bodyPr wrap="square">
+            <a:spAutoFit/>
+          </a:bodyPr>
+          <a:lstStyle/>
+          <a:p>
+            <a:pPr marL="457200" indent="-457200">
+              <a:buFont typeface="Arial" panose="020B0604020202020204" pitchFamily="34" charset="0"/>
+              <a:buChar char="•"/>
+            </a:pPr>
+            <a:r>
+              <a:rPr lang="en-US" sz="2800" dirty="0"/>
+              <a:t>Our mechanism allows each extension to add memory variables to the data map of Ownership token.</a:t>
+            </a:r>
+          </a:p>
+          <a:p>
+            <a:pPr marL="457200" indent="-457200">
+              <a:buFont typeface="Arial" panose="020B0604020202020204" pitchFamily="34" charset="0"/>
+              <a:buChar char="•"/>
+            </a:pPr>
+            <a:r>
+              <a:rPr lang="en-US" sz="2800" dirty="0"/>
+              <a:t>We can implement inter-extension dependency if we have a priori knowledge of other extensions</a:t>
+            </a:r>
+          </a:p>
+          <a:p>
+            <a:pPr marL="457200" indent="-457200">
+              <a:buFont typeface="Arial" panose="020B0604020202020204" pitchFamily="34" charset="0"/>
+              <a:buChar char="•"/>
+            </a:pPr>
+            <a:r>
+              <a:rPr lang="en-US" sz="2800" dirty="0"/>
+              <a:t>For example we can set a rule that forbids painting the car during a valid rent of the car</a:t>
+            </a:r>
+          </a:p>
+          <a:p>
+            <a:pPr marL="457200" indent="-457200">
+              <a:buFont typeface="Arial" panose="020B0604020202020204" pitchFamily="34" charset="0"/>
+              <a:buChar char="•"/>
+            </a:pPr>
+            <a:r>
+              <a:rPr lang="en-US" sz="2800" dirty="0"/>
+              <a:t>However the extended contract must trust the extensions and their memory interactions</a:t>
+            </a:r>
+          </a:p>
+        </p:txBody>
+      </p:sp>
+    </p:spTree>
+    <p:extLst>
+      <p:ext uri="{BB962C8B-B14F-4D97-AF65-F5344CB8AC3E}">
+        <p14:creationId xmlns:p14="http://schemas.microsoft.com/office/powerpoint/2010/main" val="558772143"/>
+      </p:ext>
+    </p:extLst>
+  </p:cSld>
+  <p:clrMapOvr>
+    <a:masterClrMapping/>
+  </p:clrMapOvr>
+</p:sld>
+</file>
+
+<file path=ppt/slides/slide14.xml><?xml version="1.0" encoding="utf-8"?>
+<p:sld xmlns:a="http://schemas.openxmlformats.org/drawingml/2006/main" xmlns:r="http://schemas.openxmlformats.org/officeDocument/2006/relationships" xmlns:p="http://schemas.openxmlformats.org/presentationml/2006/main">
+  <p:cSld>
+    <p:spTree>
+      <p:nvGrpSpPr>
+        <p:cNvPr id="1" name=""/>
+        <p:cNvGrpSpPr/>
+        <p:nvPr/>
+      </p:nvGrpSpPr>
+      <p:grpSpPr>
+        <a:xfrm>
+          <a:off x="0" y="0"/>
+          <a:ext cx="0" cy="0"/>
+          <a:chOff x="0" y="0"/>
+          <a:chExt cx="0" cy="0"/>
+        </a:xfrm>
+      </p:grpSpPr>
+      <p:sp>
+        <p:nvSpPr>
+          <p:cNvPr id="2" name="Titre 1"/>
+          <p:cNvSpPr>
+            <a:spLocks noGrp="1"/>
+          </p:cNvSpPr>
+          <p:nvPr>
+            <p:ph type="title"/>
+          </p:nvPr>
+        </p:nvSpPr>
+        <p:spPr>
+          <a:xfrm>
+            <a:off x="555783" y="-55804"/>
+            <a:ext cx="10627636" cy="1237729"/>
+          </a:xfrm>
+        </p:spPr>
+        <p:txBody>
+          <a:bodyPr/>
+          <a:lstStyle/>
+          <a:p>
+            <a:r>
+              <a:rPr lang="fr-FR" dirty="0"/>
+              <a:t>Conclusion</a:t>
+            </a:r>
+          </a:p>
+        </p:txBody>
+      </p:sp>
+      <p:sp>
+        <p:nvSpPr>
+          <p:cNvPr id="3" name="Espace réservé du contenu 2"/>
+          <p:cNvSpPr>
+            <a:spLocks noGrp="1"/>
+          </p:cNvSpPr>
+          <p:nvPr>
+            <p:ph idx="1"/>
+          </p:nvPr>
+        </p:nvSpPr>
+        <p:spPr>
+          <a:xfrm>
+            <a:off x="684211" y="1181926"/>
+            <a:ext cx="10370781" cy="2989381"/>
+          </a:xfrm>
+        </p:spPr>
+        <p:txBody>
+          <a:bodyPr>
+            <a:normAutofit/>
+          </a:bodyPr>
+          <a:lstStyle/>
+          <a:p>
+            <a:pPr marL="0" indent="0">
+              <a:buNone/>
+            </a:pPr>
+            <a:endParaRPr lang="fr-FR" sz="2400" dirty="0">
+              <a:solidFill>
+                <a:schemeClr val="bg1"/>
+              </a:solidFill>
+            </a:endParaRPr>
+          </a:p>
+          <a:p>
+            <a:endParaRPr lang="fr-FR" sz="2400" dirty="0">
+              <a:solidFill>
+                <a:schemeClr val="bg1"/>
+              </a:solidFill>
+            </a:endParaRPr>
+          </a:p>
+        </p:txBody>
+      </p:sp>
+      <p:sp>
+        <p:nvSpPr>
+          <p:cNvPr id="5" name="Titre 1"/>
+          <p:cNvSpPr txBox="1">
+            <a:spLocks/>
+          </p:cNvSpPr>
+          <p:nvPr/>
+        </p:nvSpPr>
+        <p:spPr>
+          <a:xfrm>
+            <a:off x="684212" y="3098687"/>
+            <a:ext cx="8534400" cy="1507067"/>
+          </a:xfrm>
+          <a:prstGeom prst="rect">
+            <a:avLst/>
+          </a:prstGeom>
+          <a:effectLst/>
+        </p:spPr>
+        <p:txBody>
+          <a:bodyPr vert="horz" lIns="91440" tIns="45720" rIns="91440" bIns="45720" rtlCol="0" anchor="ctr">
+            <a:normAutofit/>
+          </a:bodyPr>
+          <a:lstStyle>
+            <a:lvl1pPr algn="l" defTabSz="457200" rtl="0" eaLnBrk="1" latinLnBrk="0" hangingPunct="1">
+              <a:spcBef>
+                <a:spcPct val="0"/>
+              </a:spcBef>
+              <a:buNone/>
+              <a:defRPr sz="3600" kern="1200" cap="all">
+                <a:ln w="3175" cmpd="sng">
+                  <a:noFill/>
+                </a:ln>
+                <a:solidFill>
+                  <a:schemeClr val="tx1"/>
+                </a:solidFill>
+                <a:effectLst/>
+                <a:latin typeface="+mj-lt"/>
+                <a:ea typeface="+mj-ea"/>
+                <a:cs typeface="+mj-cs"/>
+              </a:defRPr>
+            </a:lvl1pPr>
+            <a:lvl2pPr eaLnBrk="1" hangingPunct="1">
+              <a:defRPr>
+                <a:solidFill>
+                  <a:schemeClr val="tx2"/>
+                </a:solidFill>
+              </a:defRPr>
+            </a:lvl2pPr>
+            <a:lvl3pPr eaLnBrk="1" hangingPunct="1">
+              <a:defRPr>
+                <a:solidFill>
+                  <a:schemeClr val="tx2"/>
+                </a:solidFill>
+              </a:defRPr>
+            </a:lvl3pPr>
+            <a:lvl4pPr eaLnBrk="1" hangingPunct="1">
+              <a:defRPr>
+                <a:solidFill>
+                  <a:schemeClr val="tx2"/>
+                </a:solidFill>
+              </a:defRPr>
+            </a:lvl4pPr>
+            <a:lvl5pPr eaLnBrk="1" hangingPunct="1">
+              <a:defRPr>
+                <a:solidFill>
+                  <a:schemeClr val="tx2"/>
+                </a:solidFill>
+              </a:defRPr>
+            </a:lvl5pPr>
+            <a:lvl6pPr eaLnBrk="1" hangingPunct="1">
+              <a:defRPr>
+                <a:solidFill>
+                  <a:schemeClr val="tx2"/>
+                </a:solidFill>
+              </a:defRPr>
+            </a:lvl6pPr>
+            <a:lvl7pPr eaLnBrk="1" hangingPunct="1">
+              <a:defRPr>
+                <a:solidFill>
+                  <a:schemeClr val="tx2"/>
+                </a:solidFill>
+              </a:defRPr>
+            </a:lvl7pPr>
+            <a:lvl8pPr eaLnBrk="1" hangingPunct="1">
+              <a:defRPr>
+                <a:solidFill>
+                  <a:schemeClr val="tx2"/>
+                </a:solidFill>
+              </a:defRPr>
+            </a:lvl8pPr>
+            <a:lvl9pPr eaLnBrk="1" hangingPunct="1">
+              <a:defRPr>
+                <a:solidFill>
+                  <a:schemeClr val="tx2"/>
+                </a:solidFill>
+              </a:defRPr>
+            </a:lvl9pPr>
+          </a:lstStyle>
+          <a:p>
+            <a:endParaRPr lang="fr-FR" dirty="0"/>
+          </a:p>
+        </p:txBody>
+      </p:sp>
+      <p:sp>
+        <p:nvSpPr>
+          <p:cNvPr id="8" name="ZoneTexte 7"/>
+          <p:cNvSpPr txBox="1"/>
+          <p:nvPr/>
+        </p:nvSpPr>
+        <p:spPr>
+          <a:xfrm>
+            <a:off x="7298267" y="5655733"/>
+            <a:ext cx="184731" cy="369332"/>
+          </a:xfrm>
+          <a:prstGeom prst="rect">
+            <a:avLst/>
+          </a:prstGeom>
+          <a:noFill/>
+        </p:spPr>
+        <p:txBody>
+          <a:bodyPr wrap="none" rtlCol="0">
+            <a:spAutoFit/>
+          </a:bodyPr>
+          <a:lstStyle/>
+          <a:p>
+            <a:endParaRPr lang="fr-FR" dirty="0"/>
+          </a:p>
+        </p:txBody>
+      </p:sp>
+      <p:sp>
+        <p:nvSpPr>
+          <p:cNvPr id="9" name="ZoneTexte 8"/>
+          <p:cNvSpPr txBox="1"/>
+          <p:nvPr/>
+        </p:nvSpPr>
+        <p:spPr>
+          <a:xfrm>
+            <a:off x="11462657" y="5780314"/>
+            <a:ext cx="184731" cy="369332"/>
+          </a:xfrm>
+          <a:prstGeom prst="rect">
+            <a:avLst/>
+          </a:prstGeom>
+          <a:noFill/>
+        </p:spPr>
+        <p:txBody>
+          <a:bodyPr wrap="none" rtlCol="0">
+            <a:spAutoFit/>
+          </a:bodyPr>
+          <a:lstStyle/>
+          <a:p>
+            <a:endParaRPr lang="en-US" dirty="0"/>
+          </a:p>
+        </p:txBody>
+      </p:sp>
+      <p:sp>
+        <p:nvSpPr>
+          <p:cNvPr id="10" name="Espace réservé du numéro de diapositive 9"/>
+          <p:cNvSpPr>
+            <a:spLocks noGrp="1"/>
+          </p:cNvSpPr>
+          <p:nvPr>
+            <p:ph type="sldNum" sz="quarter" idx="12"/>
+          </p:nvPr>
+        </p:nvSpPr>
+        <p:spPr/>
+        <p:txBody>
+          <a:bodyPr/>
+          <a:lstStyle/>
+          <a:p>
+            <a:fld id="{D57F1E4F-1CFF-5643-939E-217C01CDF565}" type="slidenum">
+              <a:rPr lang="en-US" smtClean="0"/>
+              <a:pPr/>
+              <a:t>14</a:t>
+            </a:fld>
+            <a:endParaRPr lang="en-US" dirty="0"/>
+          </a:p>
+        </p:txBody>
+      </p:sp>
+      <p:sp>
+        <p:nvSpPr>
+          <p:cNvPr id="14" name="Rectangle 13">
+            <a:extLst>
+              <a:ext uri="{FF2B5EF4-FFF2-40B4-BE49-F238E27FC236}">
+                <a16:creationId xmlns:a16="http://schemas.microsoft.com/office/drawing/2014/main" id="{4C47DCFF-382D-4433-8C00-0A25663A079F}"/>
+              </a:ext>
+            </a:extLst>
+          </p:cNvPr>
+          <p:cNvSpPr/>
+          <p:nvPr/>
+        </p:nvSpPr>
+        <p:spPr>
+          <a:xfrm>
+            <a:off x="421281" y="1836580"/>
+            <a:ext cx="11349437" cy="4154984"/>
+          </a:xfrm>
+          <a:prstGeom prst="rect">
+            <a:avLst/>
+          </a:prstGeom>
+        </p:spPr>
+        <p:txBody>
+          <a:bodyPr wrap="square">
+            <a:spAutoFit/>
+          </a:bodyPr>
+          <a:lstStyle/>
+          <a:p>
+            <a:pPr marL="285750" indent="-285750">
+              <a:buFont typeface="Wingdings" charset="2"/>
+              <a:buChar char="Ø"/>
+            </a:pPr>
+            <a:r>
+              <a:rPr lang="en-US" sz="2800" dirty="0"/>
+              <a:t>The final implementation supports the requirements that were given at the beginning of the project</a:t>
+            </a:r>
+          </a:p>
+          <a:p>
+            <a:pPr marL="285750" indent="-285750">
+              <a:buFont typeface="Wingdings" charset="2"/>
+              <a:buChar char="Ø"/>
+            </a:pPr>
+            <a:r>
+              <a:rPr lang="en-US" sz="2800" dirty="0"/>
+              <a:t>However there are some limitations:</a:t>
+            </a:r>
+          </a:p>
+          <a:p>
+            <a:pPr marL="742950" lvl="1" indent="-285750">
+              <a:buFont typeface="Wingdings" charset="2"/>
+              <a:buChar char="Ø"/>
+            </a:pPr>
+            <a:r>
+              <a:rPr lang="en-US" sz="2800" dirty="0"/>
+              <a:t>The extension token must contain the same state variables as the extended contract (including his parents)</a:t>
+            </a:r>
+          </a:p>
+          <a:p>
+            <a:pPr marL="742950" lvl="1" indent="-285750">
+              <a:buFont typeface="Wingdings" charset="2"/>
+              <a:buChar char="Ø"/>
+            </a:pPr>
+            <a:r>
+              <a:rPr lang="en-US" sz="2800" dirty="0"/>
+              <a:t>When invoking an extension the errors thrown don’t bubble up</a:t>
+            </a:r>
+          </a:p>
+          <a:p>
+            <a:pPr marL="742950" lvl="1" indent="-285750">
+              <a:buFont typeface="Wingdings" charset="2"/>
+              <a:buChar char="Ø"/>
+            </a:pPr>
+            <a:endParaRPr lang="en-US" sz="2800" dirty="0"/>
+          </a:p>
+          <a:p>
+            <a:endParaRPr lang="en-US" sz="2000" dirty="0"/>
+          </a:p>
+          <a:p>
+            <a:pPr marL="285750" indent="-285750">
+              <a:buFont typeface="Wingdings" charset="2"/>
+              <a:buChar char="Ø"/>
+            </a:pPr>
+            <a:endParaRPr lang="en-US" sz="2000" dirty="0"/>
+          </a:p>
+        </p:txBody>
+      </p:sp>
+    </p:spTree>
+    <p:extLst>
+      <p:ext uri="{BB962C8B-B14F-4D97-AF65-F5344CB8AC3E}">
+        <p14:creationId xmlns:p14="http://schemas.microsoft.com/office/powerpoint/2010/main" val="1487510438"/>
+      </p:ext>
+    </p:extLst>
+  </p:cSld>
+  <p:clrMapOvr>
+    <a:masterClrMapping/>
+  </p:clrMapOvr>
+</p:sld>
+</file>
+
+<file path=ppt/slides/slide15.xml><?xml version="1.0" encoding="utf-8"?>
+<p:sld xmlns:a="http://schemas.openxmlformats.org/drawingml/2006/main" xmlns:r="http://schemas.openxmlformats.org/officeDocument/2006/relationships" xmlns:p="http://schemas.openxmlformats.org/presentationml/2006/main">
+  <p:cSld>
+    <p:spTree>
+      <p:nvGrpSpPr>
+        <p:cNvPr id="1" name=""/>
+        <p:cNvGrpSpPr/>
+        <p:nvPr/>
+      </p:nvGrpSpPr>
+      <p:grpSpPr>
+        <a:xfrm>
+          <a:off x="0" y="0"/>
+          <a:ext cx="0" cy="0"/>
+          <a:chOff x="0" y="0"/>
+          <a:chExt cx="0" cy="0"/>
+        </a:xfrm>
+      </p:grpSpPr>
+      <p:sp>
+        <p:nvSpPr>
           <p:cNvPr id="2" name="Titre 1"/>
           <p:cNvSpPr>
             <a:spLocks noGrp="1"/>
@@ -9750,7 +10089,7 @@
             <a:fld id="{D57F1E4F-1CFF-5643-939E-217C01CDF565}" type="slidenum">
               <a:rPr lang="en-US" smtClean="0"/>
               <a:pPr/>
-              <a:t>13</a:t>
+              <a:t>15</a:t>
             </a:fld>
             <a:endParaRPr lang="en-US" dirty="0"/>
           </a:p>
@@ -9808,8 +10147,45 @@
           <a:p>
             <a:r>
               <a:rPr lang="fr-FR" dirty="0"/>
-              <a:t>Team </a:t>
-            </a:r>
+              <a:t>Goals</a:t>
+            </a:r>
+          </a:p>
+        </p:txBody>
+      </p:sp>
+      <p:sp>
+        <p:nvSpPr>
+          <p:cNvPr id="3" name="Espace réservé du contenu 2"/>
+          <p:cNvSpPr>
+            <a:spLocks noGrp="1"/>
+          </p:cNvSpPr>
+          <p:nvPr>
+            <p:ph idx="1"/>
+          </p:nvPr>
+        </p:nvSpPr>
+        <p:spPr>
+          <a:xfrm>
+            <a:off x="684211" y="1181926"/>
+            <a:ext cx="10370781" cy="2989381"/>
+          </a:xfrm>
+        </p:spPr>
+        <p:txBody>
+          <a:bodyPr>
+            <a:normAutofit/>
+          </a:bodyPr>
+          <a:lstStyle/>
+          <a:p>
+            <a:endParaRPr lang="fr-FR" sz="2400" dirty="0">
+              <a:solidFill>
+                <a:schemeClr val="bg1"/>
+              </a:solidFill>
+            </a:endParaRPr>
+          </a:p>
+          <a:p>
+            <a:endParaRPr lang="fr-FR" sz="2400" dirty="0">
+              <a:solidFill>
+                <a:schemeClr val="bg1"/>
+              </a:solidFill>
+            </a:endParaRPr>
           </a:p>
         </p:txBody>
       </p:sp>
@@ -10357,33 +10733,115 @@
       </p:sp>
       <p:sp>
         <p:nvSpPr>
-          <p:cNvPr id="11" name="Content Placeholder 10">
+          <p:cNvPr id="12" name="Rectangle 11">
             <a:extLst>
               <a:ext uri="{FF2B5EF4-FFF2-40B4-BE49-F238E27FC236}">
-                <a16:creationId xmlns:a16="http://schemas.microsoft.com/office/drawing/2014/main" id="{DA67625D-A040-467B-B125-12D82CB0EAA1}"/>
+                <a16:creationId xmlns:a16="http://schemas.microsoft.com/office/drawing/2014/main" id="{020B97D7-7ECF-47C5-85F3-D946BDF6463D}"/>
               </a:ext>
             </a:extLst>
           </p:cNvPr>
-          <p:cNvSpPr>
-            <a:spLocks noGrp="1"/>
-          </p:cNvSpPr>
-          <p:nvPr>
-            <p:ph idx="1"/>
-          </p:nvPr>
-        </p:nvSpPr>
-        <p:spPr/>
-        <p:txBody>
-          <a:bodyPr/>
+          <p:cNvSpPr/>
+          <p:nvPr/>
+        </p:nvSpPr>
+        <p:spPr>
+          <a:xfrm>
+            <a:off x="297951" y="2040210"/>
+            <a:ext cx="11349437" cy="4524315"/>
+          </a:xfrm>
+          <a:prstGeom prst="rect">
+            <a:avLst/>
+          </a:prstGeom>
+        </p:spPr>
+        <p:txBody>
+          <a:bodyPr wrap="square">
+            <a:spAutoFit/>
+          </a:bodyPr>
           <a:lstStyle/>
           <a:p>
-            <a:endParaRPr lang="en-US"/>
+            <a:r>
+              <a:rPr lang="en-US" sz="2800" dirty="0"/>
+              <a:t>Throughout the project we:</a:t>
+            </a:r>
+          </a:p>
+          <a:p>
+            <a:pPr marL="285750" indent="-285750">
+              <a:buFont typeface="Wingdings" charset="2"/>
+              <a:buChar char="Ø"/>
+            </a:pPr>
+            <a:r>
+              <a:rPr lang="en-US" sz="2800" dirty="0"/>
+              <a:t>Learned Blockchain basics </a:t>
+            </a:r>
+          </a:p>
+          <a:p>
+            <a:pPr marL="285750" indent="-285750">
+              <a:buFont typeface="Wingdings" charset="2"/>
+              <a:buChar char="Ø"/>
+            </a:pPr>
+            <a:r>
+              <a:rPr lang="en-US" sz="2800" dirty="0"/>
+              <a:t>Got familiar with the Blockchain Ethereum test network </a:t>
+            </a:r>
+          </a:p>
+          <a:p>
+            <a:pPr marL="285750" indent="-285750">
+              <a:buFont typeface="Wingdings" charset="2"/>
+              <a:buChar char="Ø"/>
+            </a:pPr>
+            <a:r>
+              <a:rPr lang="en-US" sz="2800" dirty="0"/>
+              <a:t>Got familiar with solidity object-oriented language</a:t>
+            </a:r>
+          </a:p>
+          <a:p>
+            <a:pPr marL="285750" indent="-285750">
+              <a:buFont typeface="Wingdings" charset="2"/>
+              <a:buChar char="Ø"/>
+            </a:pPr>
+            <a:r>
+              <a:rPr lang="en-US" sz="2800" dirty="0"/>
+              <a:t>Got familiar with ganache test environment</a:t>
+            </a:r>
+          </a:p>
+          <a:p>
+            <a:pPr marL="285750" indent="-285750">
+              <a:buFont typeface="Wingdings" charset="2"/>
+              <a:buChar char="Ø"/>
+            </a:pPr>
+            <a:r>
+              <a:rPr lang="en-US" sz="2800" dirty="0"/>
+              <a:t>Implemented different version of ownership and rental assets using smart contracts in 3 steps</a:t>
+            </a:r>
+          </a:p>
+          <a:p>
+            <a:pPr marL="285750" indent="-285750">
+              <a:buFont typeface="Wingdings" charset="2"/>
+              <a:buChar char="Ø"/>
+            </a:pPr>
+            <a:r>
+              <a:rPr lang="en-US" sz="2800" dirty="0"/>
+              <a:t>Implemented a dynamic dependency between tokens</a:t>
+            </a:r>
+          </a:p>
+          <a:p>
+            <a:endParaRPr lang="en-US" sz="2800" dirty="0"/>
+          </a:p>
+          <a:p>
+            <a:endParaRPr lang="en-US" dirty="0"/>
+          </a:p>
+          <a:p>
+            <a:pPr marL="285750" indent="-285750">
+              <a:buFont typeface="Wingdings" charset="2"/>
+              <a:buChar char="Ø"/>
+            </a:pPr>
+            <a:endParaRPr lang="en-US" dirty="0"/>
           </a:p>
         </p:txBody>
       </p:sp>
     </p:spTree>
     <p:extLst>
       <p:ext uri="{BB962C8B-B14F-4D97-AF65-F5344CB8AC3E}">
-        <p14:creationId xmlns:p14="http://schemas.microsoft.com/office/powerpoint/2010/main" val="605247666"/>
+        <p14:creationId xmlns:p14="http://schemas.microsoft.com/office/powerpoint/2010/main" val="153117923"/>
       </p:ext>
     </p:extLst>
   </p:cSld>
@@ -10432,7 +10890,7 @@
           <a:p>
             <a:r>
               <a:rPr lang="fr-FR" dirty="0"/>
-              <a:t>Goals</a:t>
+              <a:t>Goals #2</a:t>
             </a:r>
           </a:p>
         </p:txBody>
@@ -11031,7 +11489,7 @@
         <p:spPr>
           <a:xfrm>
             <a:off x="297951" y="2040210"/>
-            <a:ext cx="11349437" cy="4524315"/>
+            <a:ext cx="11349437" cy="3231654"/>
           </a:xfrm>
           <a:prstGeom prst="rect">
             <a:avLst/>
@@ -11043,69 +11501,23 @@
           </a:bodyPr>
           <a:lstStyle/>
           <a:p>
-            <a:r>
-              <a:rPr lang="en-US" sz="2800" dirty="0"/>
-              <a:t>Throughout the project we:</a:t>
-            </a:r>
-          </a:p>
-          <a:p>
-            <a:pPr marL="285750" indent="-285750">
-              <a:buFont typeface="Wingdings" charset="2"/>
+            <a:pPr marL="457200" indent="-457200">
+              <a:buFont typeface="Wingdings" panose="05000000000000000000" pitchFamily="2" charset="2"/>
               <a:buChar char="Ø"/>
             </a:pPr>
             <a:r>
               <a:rPr lang="en-US" sz="2800" dirty="0"/>
-              <a:t>Learned Blockchain basics </a:t>
-            </a:r>
-          </a:p>
-          <a:p>
-            <a:pPr marL="285750" indent="-285750">
-              <a:buFont typeface="Wingdings" charset="2"/>
+              <a:t>The blockchain is a static environment where, once a contract is deployed, the code is immutable.</a:t>
+            </a:r>
+          </a:p>
+          <a:p>
+            <a:pPr marL="457200" indent="-457200">
+              <a:buFont typeface="Wingdings" panose="05000000000000000000" pitchFamily="2" charset="2"/>
               <a:buChar char="Ø"/>
             </a:pPr>
             <a:r>
               <a:rPr lang="en-US" sz="2800" dirty="0"/>
-              <a:t>Got familiar with the Blockchain Ethereum test network </a:t>
-            </a:r>
-          </a:p>
-          <a:p>
-            <a:pPr marL="285750" indent="-285750">
-              <a:buFont typeface="Wingdings" charset="2"/>
-              <a:buChar char="Ø"/>
-            </a:pPr>
-            <a:r>
-              <a:rPr lang="en-US" sz="2800" dirty="0"/>
-              <a:t>Got familiar with solidity object-oriented language</a:t>
-            </a:r>
-          </a:p>
-          <a:p>
-            <a:pPr marL="285750" indent="-285750">
-              <a:buFont typeface="Wingdings" charset="2"/>
-              <a:buChar char="Ø"/>
-            </a:pPr>
-            <a:r>
-              <a:rPr lang="en-US" sz="2800" dirty="0"/>
-              <a:t>Got familiar with ganache test environment</a:t>
-            </a:r>
-          </a:p>
-          <a:p>
-            <a:pPr marL="285750" indent="-285750">
-              <a:buFont typeface="Wingdings" charset="2"/>
-              <a:buChar char="Ø"/>
-            </a:pPr>
-            <a:r>
-              <a:rPr lang="en-US" sz="2800" dirty="0"/>
-              <a:t>Implemented different version of ownership and rental assets using smart contracts in 3 steps</a:t>
-            </a:r>
-          </a:p>
-          <a:p>
-            <a:pPr marL="285750" indent="-285750">
-              <a:buFont typeface="Wingdings" charset="2"/>
-              <a:buChar char="Ø"/>
-            </a:pPr>
-            <a:r>
-              <a:rPr lang="en-US" sz="2800" dirty="0"/>
-              <a:t>Implemented a dynamic dependency between tokens</a:t>
+              <a:t>This project aims to show an extension mechanism such that current functionalities are extended in the future, with the owner agreement. </a:t>
             </a:r>
           </a:p>
           <a:p>
@@ -11126,7 +11538,7 @@
     </p:spTree>
     <p:extLst>
       <p:ext uri="{BB962C8B-B14F-4D97-AF65-F5344CB8AC3E}">
-        <p14:creationId xmlns:p14="http://schemas.microsoft.com/office/powerpoint/2010/main" val="153117923"/>
+        <p14:creationId xmlns:p14="http://schemas.microsoft.com/office/powerpoint/2010/main" val="1171790688"/>
       </p:ext>
     </p:extLst>
   </p:cSld>
